--- a/documentation/vcm-062014.pptx
+++ b/documentation/vcm-062014.pptx
@@ -153,6 +153,22 @@
       </a:defRPr>
     </a:lvl9pPr>
   </p:defaultTextStyle>
+  <p:extLst>
+    <p:ext uri="{EFAFB233-063F-42B5-8137-9DF3F51BA10A}">
+      <p15:sldGuideLst xmlns:p15="http://schemas.microsoft.com/office/powerpoint/2012/main">
+        <p15:guide id="1" orient="horz" pos="2160">
+          <p15:clr>
+            <a:srgbClr val="A4A3A4"/>
+          </p15:clr>
+        </p15:guide>
+        <p15:guide id="2" pos="2880">
+          <p15:clr>
+            <a:srgbClr val="A4A3A4"/>
+          </p15:clr>
+        </p15:guide>
+      </p15:sldGuideLst>
+    </p:ext>
+  </p:extLst>
 </p:presentation>
 </file>
 
@@ -267,7 +283,7 @@
               <a:pPr>
                 <a:defRPr/>
               </a:pPr>
-              <a:t>6/3/14</a:t>
+              <a:t>8/12/16</a:t>
             </a:fld>
             <a:endParaRPr lang="en-US"/>
           </a:p>
@@ -632,15 +648,15 @@
             <a:tailEnd/>
           </a:ln>
           <a:extLst>
-            <a:ext uri="{909E8E84-426E-40dd-AFC4-6F175D3DCCD1}">
-              <a14:hiddenFill xmlns:a14="http://schemas.microsoft.com/office/drawing/2010/main">
-                <a:solidFill>
-                  <a:srgbClr val="FFFFFF"/>
-                </a:solidFill>
-              </a14:hiddenFill>
-            </a:ext>
             <a:ext uri="{FAA26D3D-D897-4be2-8F04-BA451C77F1D7}">
               <ma14:placeholderFlag xmlns:ma14="http://schemas.microsoft.com/office/mac/drawingml/2011/main" val="1"/>
+            </a:ext>
+            <a:ext uri="{909E8E84-426E-40dd-AFC4-6F175D3DCCD1}">
+              <a14:hiddenFill xmlns:a14="http://schemas.microsoft.com/office/drawing/2010/main" xmlns="">
+                <a:solidFill>
+                  <a:srgbClr val="FFFFFF"/>
+                </a:solidFill>
+              </a14:hiddenFill>
             </a:ext>
           </a:extLst>
         </p:spPr>
@@ -659,14 +675,14 @@
           <a:noFill/>
           <a:extLst>
             <a:ext uri="{909E8E84-426E-40dd-AFC4-6F175D3DCCD1}">
-              <a14:hiddenFill xmlns:a14="http://schemas.microsoft.com/office/drawing/2010/main">
+              <a14:hiddenFill xmlns:a14="http://schemas.microsoft.com/office/drawing/2010/main" xmlns="">
                 <a:solidFill>
                   <a:srgbClr val="FFFFFF"/>
                 </a:solidFill>
               </a14:hiddenFill>
             </a:ext>
             <a:ext uri="{91240B29-F687-4f45-9708-019B960494DF}">
-              <a14:hiddenLine xmlns:a14="http://schemas.microsoft.com/office/drawing/2010/main" w="9525">
+              <a14:hiddenLine xmlns:a14="http://schemas.microsoft.com/office/drawing/2010/main" xmlns="" w="9525">
                 <a:solidFill>
                   <a:srgbClr val="000000"/>
                 </a:solidFill>
@@ -710,14 +726,14 @@
           <a:noFill/>
           <a:extLst>
             <a:ext uri="{909E8E84-426E-40dd-AFC4-6F175D3DCCD1}">
-              <a14:hiddenFill xmlns:a14="http://schemas.microsoft.com/office/drawing/2010/main">
+              <a14:hiddenFill xmlns:a14="http://schemas.microsoft.com/office/drawing/2010/main" xmlns="">
                 <a:solidFill>
                   <a:srgbClr val="FFFFFF"/>
                 </a:solidFill>
               </a14:hiddenFill>
             </a:ext>
             <a:ext uri="{91240B29-F687-4f45-9708-019B960494DF}">
-              <a14:hiddenLine xmlns:a14="http://schemas.microsoft.com/office/drawing/2010/main" w="9525">
+              <a14:hiddenLine xmlns:a14="http://schemas.microsoft.com/office/drawing/2010/main" xmlns="" w="9525">
                 <a:solidFill>
                   <a:srgbClr val="000000"/>
                 </a:solidFill>
@@ -868,6 +884,11 @@
         </p:txBody>
       </p:sp>
     </p:spTree>
+    <p:extLst>
+      <p:ext uri="{BB962C8B-B14F-4D97-AF65-F5344CB8AC3E}">
+        <p14:creationId xmlns:p14="http://schemas.microsoft.com/office/powerpoint/2010/main" val="1076336934"/>
+      </p:ext>
+    </p:extLst>
   </p:cSld>
   <p:clrMapOvr>
     <a:masterClrMapping/>
@@ -913,15 +934,15 @@
             <a:tailEnd/>
           </a:ln>
           <a:extLst>
-            <a:ext uri="{909E8E84-426E-40dd-AFC4-6F175D3DCCD1}">
-              <a14:hiddenFill xmlns:a14="http://schemas.microsoft.com/office/drawing/2010/main">
-                <a:solidFill>
-                  <a:srgbClr val="FFFFFF"/>
-                </a:solidFill>
-              </a14:hiddenFill>
-            </a:ext>
             <a:ext uri="{FAA26D3D-D897-4be2-8F04-BA451C77F1D7}">
               <ma14:placeholderFlag xmlns:ma14="http://schemas.microsoft.com/office/mac/drawingml/2011/main" val="1"/>
+            </a:ext>
+            <a:ext uri="{909E8E84-426E-40dd-AFC4-6F175D3DCCD1}">
+              <a14:hiddenFill xmlns:a14="http://schemas.microsoft.com/office/drawing/2010/main" xmlns="">
+                <a:solidFill>
+                  <a:srgbClr val="FFFFFF"/>
+                </a:solidFill>
+              </a14:hiddenFill>
             </a:ext>
           </a:extLst>
         </p:spPr>
@@ -939,15 +960,18 @@
         <p:spPr bwMode="auto">
           <a:noFill/>
           <a:extLst>
+            <a:ext uri="{FAA26D3D-D897-4be2-8F04-BA451C77F1D7}">
+              <ma14:placeholderFlag xmlns:ma14="http://schemas.microsoft.com/office/mac/drawingml/2011/main" val="1"/>
+            </a:ext>
             <a:ext uri="{909E8E84-426E-40dd-AFC4-6F175D3DCCD1}">
-              <a14:hiddenFill xmlns:a14="http://schemas.microsoft.com/office/drawing/2010/main">
+              <a14:hiddenFill xmlns:a14="http://schemas.microsoft.com/office/drawing/2010/main" xmlns="">
                 <a:solidFill>
                   <a:srgbClr val="FFFFFF"/>
                 </a:solidFill>
               </a14:hiddenFill>
             </a:ext>
             <a:ext uri="{91240B29-F687-4f45-9708-019B960494DF}">
-              <a14:hiddenLine xmlns:a14="http://schemas.microsoft.com/office/drawing/2010/main" w="9525">
+              <a14:hiddenLine xmlns:a14="http://schemas.microsoft.com/office/drawing/2010/main" xmlns="" w="9525">
                 <a:solidFill>
                   <a:srgbClr val="000000"/>
                 </a:solidFill>
@@ -955,9 +979,6 @@
                 <a:headEnd/>
                 <a:tailEnd/>
               </a14:hiddenLine>
-            </a:ext>
-            <a:ext uri="{FAA26D3D-D897-4be2-8F04-BA451C77F1D7}">
-              <ma14:placeholderFlag xmlns:ma14="http://schemas.microsoft.com/office/mac/drawingml/2011/main" val="1"/>
             </a:ext>
           </a:extLst>
         </p:spPr>
@@ -1005,6 +1026,11 @@
         </p:txBody>
       </p:sp>
     </p:spTree>
+    <p:extLst>
+      <p:ext uri="{BB962C8B-B14F-4D97-AF65-F5344CB8AC3E}">
+        <p14:creationId xmlns:p14="http://schemas.microsoft.com/office/powerpoint/2010/main" val="1822207411"/>
+      </p:ext>
+    </p:extLst>
   </p:cSld>
   <p:clrMapOvr>
     <a:masterClrMapping/>
@@ -1050,15 +1076,15 @@
             <a:tailEnd/>
           </a:ln>
           <a:extLst>
-            <a:ext uri="{909E8E84-426E-40dd-AFC4-6F175D3DCCD1}">
-              <a14:hiddenFill xmlns:a14="http://schemas.microsoft.com/office/drawing/2010/main">
-                <a:solidFill>
-                  <a:srgbClr val="FFFFFF"/>
-                </a:solidFill>
-              </a14:hiddenFill>
-            </a:ext>
             <a:ext uri="{FAA26D3D-D897-4be2-8F04-BA451C77F1D7}">
               <ma14:placeholderFlag xmlns:ma14="http://schemas.microsoft.com/office/mac/drawingml/2011/main" val="1"/>
+            </a:ext>
+            <a:ext uri="{909E8E84-426E-40dd-AFC4-6F175D3DCCD1}">
+              <a14:hiddenFill xmlns:a14="http://schemas.microsoft.com/office/drawing/2010/main" xmlns="">
+                <a:solidFill>
+                  <a:srgbClr val="FFFFFF"/>
+                </a:solidFill>
+              </a14:hiddenFill>
             </a:ext>
           </a:extLst>
         </p:spPr>
@@ -1077,14 +1103,14 @@
           <a:noFill/>
           <a:extLst>
             <a:ext uri="{909E8E84-426E-40dd-AFC4-6F175D3DCCD1}">
-              <a14:hiddenFill xmlns:a14="http://schemas.microsoft.com/office/drawing/2010/main">
+              <a14:hiddenFill xmlns:a14="http://schemas.microsoft.com/office/drawing/2010/main" xmlns="">
                 <a:solidFill>
                   <a:srgbClr val="FFFFFF"/>
                 </a:solidFill>
               </a14:hiddenFill>
             </a:ext>
             <a:ext uri="{91240B29-F687-4f45-9708-019B960494DF}">
-              <a14:hiddenLine xmlns:a14="http://schemas.microsoft.com/office/drawing/2010/main" w="9525">
+              <a14:hiddenLine xmlns:a14="http://schemas.microsoft.com/office/drawing/2010/main" xmlns="" w="9525">
                 <a:solidFill>
                   <a:srgbClr val="000000"/>
                 </a:solidFill>
@@ -1131,14 +1157,14 @@
           <a:noFill/>
           <a:extLst>
             <a:ext uri="{909E8E84-426E-40dd-AFC4-6F175D3DCCD1}">
-              <a14:hiddenFill xmlns:a14="http://schemas.microsoft.com/office/drawing/2010/main">
+              <a14:hiddenFill xmlns:a14="http://schemas.microsoft.com/office/drawing/2010/main" xmlns="">
                 <a:solidFill>
                   <a:srgbClr val="FFFFFF"/>
                 </a:solidFill>
               </a14:hiddenFill>
             </a:ext>
             <a:ext uri="{91240B29-F687-4f45-9708-019B960494DF}">
-              <a14:hiddenLine xmlns:a14="http://schemas.microsoft.com/office/drawing/2010/main" w="9525">
+              <a14:hiddenLine xmlns:a14="http://schemas.microsoft.com/office/drawing/2010/main" xmlns="" w="9525">
                 <a:solidFill>
                   <a:srgbClr val="000000"/>
                 </a:solidFill>
@@ -1289,6 +1315,11 @@
         </p:txBody>
       </p:sp>
     </p:spTree>
+    <p:extLst>
+      <p:ext uri="{BB962C8B-B14F-4D97-AF65-F5344CB8AC3E}">
+        <p14:creationId xmlns:p14="http://schemas.microsoft.com/office/powerpoint/2010/main" val="575666810"/>
+      </p:ext>
+    </p:extLst>
   </p:cSld>
   <p:clrMapOvr>
     <a:masterClrMapping/>
@@ -1378,6 +1409,11 @@
         </p:txBody>
       </p:sp>
     </p:spTree>
+    <p:extLst>
+      <p:ext uri="{BB962C8B-B14F-4D97-AF65-F5344CB8AC3E}">
+        <p14:creationId xmlns:p14="http://schemas.microsoft.com/office/powerpoint/2010/main" val="1740091057"/>
+      </p:ext>
+    </p:extLst>
   </p:cSld>
   <p:clrMapOvr>
     <a:masterClrMapping/>
@@ -1467,6 +1503,11 @@
         </p:txBody>
       </p:sp>
     </p:spTree>
+    <p:extLst>
+      <p:ext uri="{BB962C8B-B14F-4D97-AF65-F5344CB8AC3E}">
+        <p14:creationId xmlns:p14="http://schemas.microsoft.com/office/powerpoint/2010/main" val="1278090153"/>
+      </p:ext>
+    </p:extLst>
   </p:cSld>
   <p:clrMapOvr>
     <a:masterClrMapping/>
@@ -1556,6 +1597,11 @@
         </p:txBody>
       </p:sp>
     </p:spTree>
+    <p:extLst>
+      <p:ext uri="{BB962C8B-B14F-4D97-AF65-F5344CB8AC3E}">
+        <p14:creationId xmlns:p14="http://schemas.microsoft.com/office/powerpoint/2010/main" val="1729764177"/>
+      </p:ext>
+    </p:extLst>
   </p:cSld>
   <p:clrMapOvr>
     <a:masterClrMapping/>
@@ -2290,7 +2336,7 @@
               <a:pPr>
                 <a:defRPr/>
               </a:pPr>
-              <a:t>6/3/14</a:t>
+              <a:t>8/12/16</a:t>
             </a:fld>
             <a:endParaRPr lang="en-US"/>
           </a:p>
@@ -2487,7 +2533,7 @@
               <a:pPr>
                 <a:defRPr/>
               </a:pPr>
-              <a:t>6/3/14</a:t>
+              <a:t>8/12/16</a:t>
             </a:fld>
             <a:endParaRPr lang="en-US"/>
           </a:p>
@@ -2694,7 +2740,7 @@
               <a:pPr>
                 <a:defRPr/>
               </a:pPr>
-              <a:t>6/3/14</a:t>
+              <a:t>8/12/16</a:t>
             </a:fld>
             <a:endParaRPr lang="en-US"/>
           </a:p>
@@ -2891,7 +2937,7 @@
               <a:pPr>
                 <a:defRPr/>
               </a:pPr>
-              <a:t>6/3/14</a:t>
+              <a:t>8/12/16</a:t>
             </a:fld>
             <a:endParaRPr lang="en-US"/>
           </a:p>
@@ -3164,7 +3210,7 @@
               <a:pPr>
                 <a:defRPr/>
               </a:pPr>
-              <a:t>6/3/14</a:t>
+              <a:t>8/12/16</a:t>
             </a:fld>
             <a:endParaRPr lang="en-US"/>
           </a:p>
@@ -3479,7 +3525,7 @@
               <a:pPr>
                 <a:defRPr/>
               </a:pPr>
-              <a:t>6/3/14</a:t>
+              <a:t>8/12/16</a:t>
             </a:fld>
             <a:endParaRPr lang="en-US"/>
           </a:p>
@@ -3928,7 +3974,7 @@
               <a:pPr>
                 <a:defRPr/>
               </a:pPr>
-              <a:t>6/3/14</a:t>
+              <a:t>8/12/16</a:t>
             </a:fld>
             <a:endParaRPr lang="en-US"/>
           </a:p>
@@ -4073,7 +4119,7 @@
               <a:pPr>
                 <a:defRPr/>
               </a:pPr>
-              <a:t>6/3/14</a:t>
+              <a:t>8/12/16</a:t>
             </a:fld>
             <a:endParaRPr lang="en-US"/>
           </a:p>
@@ -4195,7 +4241,7 @@
               <a:pPr>
                 <a:defRPr/>
               </a:pPr>
-              <a:t>6/3/14</a:t>
+              <a:t>8/12/16</a:t>
             </a:fld>
             <a:endParaRPr lang="en-US"/>
           </a:p>
@@ -4499,7 +4545,7 @@
               <a:pPr>
                 <a:defRPr/>
               </a:pPr>
-              <a:t>6/3/14</a:t>
+              <a:t>8/12/16</a:t>
             </a:fld>
             <a:endParaRPr lang="en-US"/>
           </a:p>
@@ -4782,7 +4828,7 @@
               <a:pPr>
                 <a:defRPr/>
               </a:pPr>
-              <a:t>6/3/14</a:t>
+              <a:t>8/12/16</a:t>
             </a:fld>
             <a:endParaRPr lang="en-US"/>
           </a:p>
@@ -4923,15 +4969,18 @@
             <a:noFill/>
           </a:ln>
           <a:extLst>
+            <a:ext uri="{FAA26D3D-D897-4be2-8F04-BA451C77F1D7}">
+              <ma14:placeholderFlag xmlns:ma14="http://schemas.microsoft.com/office/mac/drawingml/2011/main" val="1"/>
+            </a:ext>
             <a:ext uri="{909E8E84-426E-40dd-AFC4-6F175D3DCCD1}">
-              <a14:hiddenFill xmlns:a14="http://schemas.microsoft.com/office/drawing/2010/main">
+              <a14:hiddenFill xmlns:a14="http://schemas.microsoft.com/office/drawing/2010/main" xmlns="">
                 <a:solidFill>
                   <a:srgbClr val="FFFFFF"/>
                 </a:solidFill>
               </a14:hiddenFill>
             </a:ext>
             <a:ext uri="{91240B29-F687-4f45-9708-019B960494DF}">
-              <a14:hiddenLine xmlns:a14="http://schemas.microsoft.com/office/drawing/2010/main" w="9525">
+              <a14:hiddenLine xmlns:a14="http://schemas.microsoft.com/office/drawing/2010/main" xmlns="" w="9525">
                 <a:solidFill>
                   <a:srgbClr val="000000"/>
                 </a:solidFill>
@@ -4939,9 +4988,6 @@
                 <a:headEnd/>
                 <a:tailEnd/>
               </a14:hiddenLine>
-            </a:ext>
-            <a:ext uri="{FAA26D3D-D897-4be2-8F04-BA451C77F1D7}">
-              <ma14:placeholderFlag xmlns:ma14="http://schemas.microsoft.com/office/mac/drawingml/2011/main" val="1"/>
             </a:ext>
           </a:extLst>
         </p:spPr>
@@ -4984,15 +5030,18 @@
             <a:noFill/>
           </a:ln>
           <a:extLst>
+            <a:ext uri="{FAA26D3D-D897-4be2-8F04-BA451C77F1D7}">
+              <ma14:placeholderFlag xmlns:ma14="http://schemas.microsoft.com/office/mac/drawingml/2011/main" val="1"/>
+            </a:ext>
             <a:ext uri="{909E8E84-426E-40dd-AFC4-6F175D3DCCD1}">
-              <a14:hiddenFill xmlns:a14="http://schemas.microsoft.com/office/drawing/2010/main">
+              <a14:hiddenFill xmlns:a14="http://schemas.microsoft.com/office/drawing/2010/main" xmlns="">
                 <a:solidFill>
                   <a:srgbClr val="FFFFFF"/>
                 </a:solidFill>
               </a14:hiddenFill>
             </a:ext>
             <a:ext uri="{91240B29-F687-4f45-9708-019B960494DF}">
-              <a14:hiddenLine xmlns:a14="http://schemas.microsoft.com/office/drawing/2010/main" w="9525">
+              <a14:hiddenLine xmlns:a14="http://schemas.microsoft.com/office/drawing/2010/main" xmlns="" w="9525">
                 <a:solidFill>
                   <a:srgbClr val="000000"/>
                 </a:solidFill>
@@ -5000,9 +5049,6 @@
                 <a:headEnd/>
                 <a:tailEnd/>
               </a14:hiddenLine>
-            </a:ext>
-            <a:ext uri="{FAA26D3D-D897-4be2-8F04-BA451C77F1D7}">
-              <ma14:placeholderFlag xmlns:ma14="http://schemas.microsoft.com/office/mac/drawingml/2011/main" val="1"/>
             </a:ext>
           </a:extLst>
         </p:spPr>
@@ -5100,7 +5146,7 @@
               <a:pPr>
                 <a:defRPr/>
               </a:pPr>
-              <a:t>6/3/14</a:t>
+              <a:t>8/12/16</a:t>
             </a:fld>
             <a:endParaRPr lang="en-US"/>
           </a:p>
@@ -5677,14 +5723,14 @@
           </a:ln>
           <a:extLst>
             <a:ext uri="{909E8E84-426E-40dd-AFC4-6F175D3DCCD1}">
-              <a14:hiddenFill xmlns:a14="http://schemas.microsoft.com/office/drawing/2010/main">
+              <a14:hiddenFill xmlns:a14="http://schemas.microsoft.com/office/drawing/2010/main" xmlns="">
                 <a:solidFill>
                   <a:srgbClr val="FFFFFF"/>
                 </a:solidFill>
               </a14:hiddenFill>
             </a:ext>
             <a:ext uri="{91240B29-F687-4f45-9708-019B960494DF}">
-              <a14:hiddenLine xmlns:a14="http://schemas.microsoft.com/office/drawing/2010/main" w="9525">
+              <a14:hiddenLine xmlns:a14="http://schemas.microsoft.com/office/drawing/2010/main" xmlns="" w="9525">
                 <a:solidFill>
                   <a:srgbClr val="000000"/>
                 </a:solidFill>
@@ -5741,16 +5787,7 @@
                 </a:solidFill>
                 <a:latin typeface="Calibri" charset="0"/>
               </a:rPr>
-              <a:t>A Platform for </a:t>
-            </a:r>
-            <a:r>
-              <a:rPr lang="en-US" sz="2800" b="1" dirty="0" smtClean="0">
-                <a:solidFill>
-                  <a:schemeClr val="bg1"/>
-                </a:solidFill>
-                <a:latin typeface="Calibri" charset="0"/>
-              </a:rPr>
-              <a:t>Collaboration and Innovation</a:t>
+              <a:t>A Platform for Collaboration and Innovation</a:t>
             </a:r>
             <a:endParaRPr lang="en-US" b="1" dirty="0">
               <a:solidFill>
@@ -5855,14 +5892,14 @@
           </a:ln>
           <a:extLst>
             <a:ext uri="{909E8E84-426E-40dd-AFC4-6F175D3DCCD1}">
-              <a14:hiddenFill xmlns:a14="http://schemas.microsoft.com/office/drawing/2010/main">
+              <a14:hiddenFill xmlns:a14="http://schemas.microsoft.com/office/drawing/2010/main" xmlns="">
                 <a:solidFill>
                   <a:srgbClr val="FFFFFF"/>
                 </a:solidFill>
               </a14:hiddenFill>
             </a:ext>
             <a:ext uri="{91240B29-F687-4f45-9708-019B960494DF}">
-              <a14:hiddenLine xmlns:a14="http://schemas.microsoft.com/office/drawing/2010/main" w="9525">
+              <a14:hiddenLine xmlns:a14="http://schemas.microsoft.com/office/drawing/2010/main" xmlns="" w="9525">
                 <a:solidFill>
                   <a:srgbClr val="000000"/>
                 </a:solidFill>
@@ -5882,7 +5919,7 @@
   <p:timing>
     <p:tnLst>
       <p:par>
-        <p:cTn xmlns:p14="http://schemas.microsoft.com/office/powerpoint/2010/main" id="1" dur="indefinite" restart="never" nodeType="tmRoot"/>
+        <p:cTn id="1" dur="indefinite" restart="never" nodeType="tmRoot"/>
       </p:par>
     </p:tnLst>
   </p:timing>
@@ -6027,7 +6064,7 @@
   <p:timing>
     <p:tnLst>
       <p:par>
-        <p:cTn xmlns:p14="http://schemas.microsoft.com/office/powerpoint/2010/main" id="1" dur="indefinite" restart="never" nodeType="tmRoot"/>
+        <p:cTn id="1" dur="indefinite" restart="never" nodeType="tmRoot"/>
       </p:par>
     </p:tnLst>
   </p:timing>
@@ -6171,7 +6208,7 @@
   <p:timing>
     <p:tnLst>
       <p:par>
-        <p:cTn xmlns:p14="http://schemas.microsoft.com/office/powerpoint/2010/main" id="1" dur="indefinite" restart="never" nodeType="tmRoot"/>
+        <p:cTn id="1" dur="indefinite" restart="never" nodeType="tmRoot"/>
       </p:par>
     </p:tnLst>
   </p:timing>
@@ -8806,11 +8843,11 @@
   <p:clrMapOvr>
     <a:masterClrMapping/>
   </p:clrMapOvr>
-  <p:transition xmlns:p14="http://schemas.microsoft.com/office/powerpoint/2010/main" spd="slow"/>
+  <p:transition spd="slow"/>
   <p:timing>
     <p:tnLst>
       <p:par>
-        <p:cTn xmlns:p14="http://schemas.microsoft.com/office/powerpoint/2010/main" id="1" dur="indefinite" restart="never" nodeType="tmRoot"/>
+        <p:cTn id="1" dur="indefinite" restart="never" nodeType="tmRoot"/>
       </p:par>
     </p:tnLst>
   </p:timing>
@@ -9729,11 +9766,11 @@
   <p:clrMapOvr>
     <a:masterClrMapping/>
   </p:clrMapOvr>
-  <p:transition xmlns:p14="http://schemas.microsoft.com/office/powerpoint/2010/main" spd="slow"/>
+  <p:transition spd="slow"/>
   <p:timing>
     <p:tnLst>
       <p:par>
-        <p:cTn xmlns:p14="http://schemas.microsoft.com/office/powerpoint/2010/main" id="1" dur="indefinite" restart="never" nodeType="tmRoot"/>
+        <p:cTn id="1" dur="indefinite" restart="never" nodeType="tmRoot"/>
       </p:par>
     </p:tnLst>
   </p:timing>
@@ -10205,14 +10242,14 @@
           </a:ln>
           <a:extLst>
             <a:ext uri="{909E8E84-426E-40dd-AFC4-6F175D3DCCD1}">
-              <a14:hiddenFill xmlns:a14="http://schemas.microsoft.com/office/drawing/2010/main">
+              <a14:hiddenFill xmlns:a14="http://schemas.microsoft.com/office/drawing/2010/main" xmlns="">
                 <a:solidFill>
                   <a:srgbClr val="FFFFFF"/>
                 </a:solidFill>
               </a14:hiddenFill>
             </a:ext>
             <a:ext uri="{91240B29-F687-4f45-9708-019B960494DF}">
-              <a14:hiddenLine xmlns:a14="http://schemas.microsoft.com/office/drawing/2010/main" w="9525">
+              <a14:hiddenLine xmlns:a14="http://schemas.microsoft.com/office/drawing/2010/main" xmlns="" w="9525">
                 <a:solidFill>
                   <a:srgbClr val="000000"/>
                 </a:solidFill>
@@ -10381,7 +10418,7 @@
   <p:timing>
     <p:tnLst>
       <p:par>
-        <p:cTn xmlns:p14="http://schemas.microsoft.com/office/powerpoint/2010/main" id="1" dur="indefinite" restart="never" nodeType="tmRoot">
+        <p:cTn id="1" dur="indefinite" restart="never" nodeType="tmRoot">
           <p:childTnLst>
             <p:seq concurrent="1" nextAc="seek">
               <p:cTn id="2" dur="indefinite" nodeType="mainSeq">
@@ -10725,14 +10762,14 @@
           <a:effectLst/>
           <a:extLst>
             <a:ext uri="{909E8E84-426E-40dd-AFC4-6F175D3DCCD1}">
-              <a14:hiddenFill xmlns:a14="http://schemas.microsoft.com/office/drawing/2010/main">
+              <a14:hiddenFill xmlns:a14="http://schemas.microsoft.com/office/drawing/2010/main" xmlns="">
                 <a:solidFill>
                   <a:schemeClr val="accent1"/>
                 </a:solidFill>
               </a14:hiddenFill>
             </a:ext>
             <a:ext uri="{91240B29-F687-4f45-9708-019B960494DF}">
-              <a14:hiddenLine xmlns:a14="http://schemas.microsoft.com/office/drawing/2010/main" w="9525">
+              <a14:hiddenLine xmlns:a14="http://schemas.microsoft.com/office/drawing/2010/main" xmlns="" w="9525">
                 <a:solidFill>
                   <a:schemeClr val="tx1"/>
                 </a:solidFill>
@@ -10742,7 +10779,7 @@
               </a14:hiddenLine>
             </a:ext>
             <a:ext uri="{AF507438-7753-43e0-B8FC-AC1667EBCBE1}">
-              <a14:hiddenEffects xmlns:a14="http://schemas.microsoft.com/office/drawing/2010/main">
+              <a14:hiddenEffects xmlns:a14="http://schemas.microsoft.com/office/drawing/2010/main" xmlns="">
                 <a:effectLst>
                   <a:outerShdw blurRad="63500" dist="38099" dir="2700000" algn="ctr" rotWithShape="0">
                     <a:schemeClr val="bg2">
@@ -10813,14 +10850,14 @@
           <a:effectLst/>
           <a:extLst>
             <a:ext uri="{909E8E84-426E-40dd-AFC4-6F175D3DCCD1}">
-              <a14:hiddenFill xmlns:a14="http://schemas.microsoft.com/office/drawing/2010/main">
+              <a14:hiddenFill xmlns:a14="http://schemas.microsoft.com/office/drawing/2010/main" xmlns="">
                 <a:solidFill>
                   <a:schemeClr val="accent1"/>
                 </a:solidFill>
               </a14:hiddenFill>
             </a:ext>
             <a:ext uri="{91240B29-F687-4f45-9708-019B960494DF}">
-              <a14:hiddenLine xmlns:a14="http://schemas.microsoft.com/office/drawing/2010/main" w="9525">
+              <a14:hiddenLine xmlns:a14="http://schemas.microsoft.com/office/drawing/2010/main" xmlns="" w="9525">
                 <a:solidFill>
                   <a:schemeClr val="tx1"/>
                 </a:solidFill>
@@ -10830,7 +10867,7 @@
               </a14:hiddenLine>
             </a:ext>
             <a:ext uri="{AF507438-7753-43e0-B8FC-AC1667EBCBE1}">
-              <a14:hiddenEffects xmlns:a14="http://schemas.microsoft.com/office/drawing/2010/main">
+              <a14:hiddenEffects xmlns:a14="http://schemas.microsoft.com/office/drawing/2010/main" xmlns="">
                 <a:effectLst>
                   <a:outerShdw blurRad="63500" dist="38099" dir="2700000" algn="ctr" rotWithShape="0">
                     <a:schemeClr val="bg2">
@@ -11109,7 +11146,7 @@
   <p:timing>
     <p:tnLst>
       <p:par>
-        <p:cTn xmlns:p14="http://schemas.microsoft.com/office/powerpoint/2010/main" id="1" dur="indefinite" restart="never" nodeType="tmRoot"/>
+        <p:cTn id="1" dur="indefinite" restart="never" nodeType="tmRoot"/>
       </p:par>
     </p:tnLst>
   </p:timing>
@@ -11156,14 +11193,14 @@
           <a:effectLst/>
           <a:extLst>
             <a:ext uri="{909E8E84-426E-40dd-AFC4-6F175D3DCCD1}">
-              <a14:hiddenFill xmlns:a14="http://schemas.microsoft.com/office/drawing/2010/main">
+              <a14:hiddenFill xmlns:a14="http://schemas.microsoft.com/office/drawing/2010/main" xmlns="">
                 <a:solidFill>
                   <a:schemeClr val="accent1"/>
                 </a:solidFill>
               </a14:hiddenFill>
             </a:ext>
             <a:ext uri="{91240B29-F687-4f45-9708-019B960494DF}">
-              <a14:hiddenLine xmlns:a14="http://schemas.microsoft.com/office/drawing/2010/main" w="9525">
+              <a14:hiddenLine xmlns:a14="http://schemas.microsoft.com/office/drawing/2010/main" xmlns="" w="9525">
                 <a:solidFill>
                   <a:schemeClr val="tx1"/>
                 </a:solidFill>
@@ -11173,7 +11210,7 @@
               </a14:hiddenLine>
             </a:ext>
             <a:ext uri="{AF507438-7753-43e0-B8FC-AC1667EBCBE1}">
-              <a14:hiddenEffects xmlns:a14="http://schemas.microsoft.com/office/drawing/2010/main">
+              <a14:hiddenEffects xmlns:a14="http://schemas.microsoft.com/office/drawing/2010/main" xmlns="">
                 <a:effectLst>
                   <a:outerShdw blurRad="63500" dist="38099" dir="2700000" algn="ctr" rotWithShape="0">
                     <a:schemeClr val="bg2">
@@ -11242,14 +11279,14 @@
           <a:effectLst/>
           <a:extLst>
             <a:ext uri="{909E8E84-426E-40dd-AFC4-6F175D3DCCD1}">
-              <a14:hiddenFill xmlns:a14="http://schemas.microsoft.com/office/drawing/2010/main">
+              <a14:hiddenFill xmlns:a14="http://schemas.microsoft.com/office/drawing/2010/main" xmlns="">
                 <a:solidFill>
                   <a:schemeClr val="accent1"/>
                 </a:solidFill>
               </a14:hiddenFill>
             </a:ext>
             <a:ext uri="{91240B29-F687-4f45-9708-019B960494DF}">
-              <a14:hiddenLine xmlns:a14="http://schemas.microsoft.com/office/drawing/2010/main" w="9525">
+              <a14:hiddenLine xmlns:a14="http://schemas.microsoft.com/office/drawing/2010/main" xmlns="" w="9525">
                 <a:solidFill>
                   <a:schemeClr val="tx1"/>
                 </a:solidFill>
@@ -11259,7 +11296,7 @@
               </a14:hiddenLine>
             </a:ext>
             <a:ext uri="{AF507438-7753-43e0-B8FC-AC1667EBCBE1}">
-              <a14:hiddenEffects xmlns:a14="http://schemas.microsoft.com/office/drawing/2010/main">
+              <a14:hiddenEffects xmlns:a14="http://schemas.microsoft.com/office/drawing/2010/main" xmlns="">
                 <a:effectLst>
                   <a:outerShdw blurRad="63500" dist="38099" dir="2700000" algn="ctr" rotWithShape="0">
                     <a:schemeClr val="bg2">
@@ -11565,7 +11602,7 @@
   <p:timing>
     <p:tnLst>
       <p:par>
-        <p:cTn xmlns:p14="http://schemas.microsoft.com/office/powerpoint/2010/main" id="1" dur="indefinite" restart="never" nodeType="tmRoot"/>
+        <p:cTn id="1" dur="indefinite" restart="never" nodeType="tmRoot"/>
       </p:par>
     </p:tnLst>
   </p:timing>
@@ -11612,14 +11649,14 @@
           <a:effectLst/>
           <a:extLst>
             <a:ext uri="{909E8E84-426E-40dd-AFC4-6F175D3DCCD1}">
-              <a14:hiddenFill xmlns:a14="http://schemas.microsoft.com/office/drawing/2010/main">
+              <a14:hiddenFill xmlns:a14="http://schemas.microsoft.com/office/drawing/2010/main" xmlns="">
                 <a:solidFill>
                   <a:schemeClr val="accent1"/>
                 </a:solidFill>
               </a14:hiddenFill>
             </a:ext>
             <a:ext uri="{91240B29-F687-4f45-9708-019B960494DF}">
-              <a14:hiddenLine xmlns:a14="http://schemas.microsoft.com/office/drawing/2010/main" w="9525">
+              <a14:hiddenLine xmlns:a14="http://schemas.microsoft.com/office/drawing/2010/main" xmlns="" w="9525">
                 <a:solidFill>
                   <a:schemeClr val="tx1"/>
                 </a:solidFill>
@@ -11629,7 +11666,7 @@
               </a14:hiddenLine>
             </a:ext>
             <a:ext uri="{AF507438-7753-43e0-B8FC-AC1667EBCBE1}">
-              <a14:hiddenEffects xmlns:a14="http://schemas.microsoft.com/office/drawing/2010/main">
+              <a14:hiddenEffects xmlns:a14="http://schemas.microsoft.com/office/drawing/2010/main" xmlns="">
                 <a:effectLst>
                   <a:outerShdw blurRad="63500" dist="38099" dir="2700000" algn="ctr" rotWithShape="0">
                     <a:schemeClr val="bg2">
@@ -11686,14 +11723,14 @@
           <a:effectLst/>
           <a:extLst>
             <a:ext uri="{909E8E84-426E-40dd-AFC4-6F175D3DCCD1}">
-              <a14:hiddenFill xmlns:a14="http://schemas.microsoft.com/office/drawing/2010/main">
+              <a14:hiddenFill xmlns:a14="http://schemas.microsoft.com/office/drawing/2010/main" xmlns="">
                 <a:solidFill>
                   <a:schemeClr val="accent1"/>
                 </a:solidFill>
               </a14:hiddenFill>
             </a:ext>
             <a:ext uri="{91240B29-F687-4f45-9708-019B960494DF}">
-              <a14:hiddenLine xmlns:a14="http://schemas.microsoft.com/office/drawing/2010/main" w="9525">
+              <a14:hiddenLine xmlns:a14="http://schemas.microsoft.com/office/drawing/2010/main" xmlns="" w="9525">
                 <a:solidFill>
                   <a:schemeClr val="tx1"/>
                 </a:solidFill>
@@ -11703,7 +11740,7 @@
               </a14:hiddenLine>
             </a:ext>
             <a:ext uri="{AF507438-7753-43e0-B8FC-AC1667EBCBE1}">
-              <a14:hiddenEffects xmlns:a14="http://schemas.microsoft.com/office/drawing/2010/main">
+              <a14:hiddenEffects xmlns:a14="http://schemas.microsoft.com/office/drawing/2010/main" xmlns="">
                 <a:effectLst>
                   <a:outerShdw blurRad="63500" dist="38099" dir="2700000" algn="ctr" rotWithShape="0">
                     <a:schemeClr val="bg2">
@@ -12568,7 +12605,7 @@
   <p:timing>
     <p:tnLst>
       <p:par>
-        <p:cTn xmlns:p14="http://schemas.microsoft.com/office/powerpoint/2010/main" id="1" dur="indefinite" restart="never" nodeType="tmRoot"/>
+        <p:cTn id="1" dur="indefinite" restart="never" nodeType="tmRoot"/>
       </p:par>
     </p:tnLst>
   </p:timing>
@@ -12692,7 +12729,7 @@
   <p:timing>
     <p:tnLst>
       <p:par>
-        <p:cTn xmlns:p14="http://schemas.microsoft.com/office/powerpoint/2010/main" id="1" dur="indefinite" restart="never" nodeType="tmRoot"/>
+        <p:cTn id="1" dur="indefinite" restart="never" nodeType="tmRoot"/>
       </p:par>
     </p:tnLst>
   </p:timing>
@@ -12839,7 +12876,7 @@
   <p:timing>
     <p:tnLst>
       <p:par>
-        <p:cTn xmlns:p14="http://schemas.microsoft.com/office/powerpoint/2010/main" id="1" dur="indefinite" restart="never" nodeType="tmRoot"/>
+        <p:cTn id="1" dur="indefinite" restart="never" nodeType="tmRoot"/>
       </p:par>
     </p:tnLst>
   </p:timing>
@@ -12971,7 +13008,7 @@
   <p:timing>
     <p:tnLst>
       <p:par>
-        <p:cTn xmlns:p14="http://schemas.microsoft.com/office/powerpoint/2010/main" id="1" dur="indefinite" restart="never" nodeType="tmRoot"/>
+        <p:cTn id="1" dur="indefinite" restart="never" nodeType="tmRoot"/>
       </p:par>
     </p:tnLst>
   </p:timing>
